--- a/PPT/Python/class 1.pptx
+++ b/PPT/Python/class 1.pptx
@@ -460,7 +460,7 @@
           <a:p>
             <a:fld id="{F2660061-179A-47E0-86E3-D8374BC4401E}" type="datetimeFigureOut">
               <a:rPr lang="en-US" smtClean="0"/>
-              <a:t>7/28/2021</a:t>
+              <a:t>9/28/2021</a:t>
             </a:fld>
             <a:endParaRPr lang="en-US"/>
           </a:p>
@@ -784,7 +784,7 @@
           <a:p>
             <a:fld id="{F2660061-179A-47E0-86E3-D8374BC4401E}" type="datetimeFigureOut">
               <a:rPr lang="en-US" smtClean="0"/>
-              <a:t>7/28/2021</a:t>
+              <a:t>9/28/2021</a:t>
             </a:fld>
             <a:endParaRPr lang="en-US"/>
           </a:p>
@@ -1032,7 +1032,7 @@
           <a:p>
             <a:fld id="{F2660061-179A-47E0-86E3-D8374BC4401E}" type="datetimeFigureOut">
               <a:rPr lang="en-US" smtClean="0"/>
-              <a:t>7/28/2021</a:t>
+              <a:t>9/28/2021</a:t>
             </a:fld>
             <a:endParaRPr lang="en-US"/>
           </a:p>
@@ -1371,7 +1371,7 @@
           <a:p>
             <a:fld id="{F2660061-179A-47E0-86E3-D8374BC4401E}" type="datetimeFigureOut">
               <a:rPr lang="en-US" smtClean="0"/>
-              <a:t>7/28/2021</a:t>
+              <a:t>9/28/2021</a:t>
             </a:fld>
             <a:endParaRPr lang="en-US"/>
           </a:p>
@@ -1718,7 +1718,7 @@
           <a:p>
             <a:fld id="{F2660061-179A-47E0-86E3-D8374BC4401E}" type="datetimeFigureOut">
               <a:rPr lang="en-US" smtClean="0"/>
-              <a:t>7/28/2021</a:t>
+              <a:t>9/28/2021</a:t>
             </a:fld>
             <a:endParaRPr lang="en-US"/>
           </a:p>
@@ -2092,7 +2092,7 @@
           <a:p>
             <a:fld id="{F2660061-179A-47E0-86E3-D8374BC4401E}" type="datetimeFigureOut">
               <a:rPr lang="en-US" smtClean="0"/>
-              <a:t>7/28/2021</a:t>
+              <a:t>9/28/2021</a:t>
             </a:fld>
             <a:endParaRPr lang="en-US"/>
           </a:p>
@@ -2562,7 +2562,7 @@
           <a:p>
             <a:fld id="{F2660061-179A-47E0-86E3-D8374BC4401E}" type="datetimeFigureOut">
               <a:rPr lang="en-US" smtClean="0"/>
-              <a:t>7/28/2021</a:t>
+              <a:t>9/28/2021</a:t>
             </a:fld>
             <a:endParaRPr lang="en-US"/>
           </a:p>
@@ -2772,7 +2772,7 @@
           <a:p>
             <a:fld id="{F2660061-179A-47E0-86E3-D8374BC4401E}" type="datetimeFigureOut">
               <a:rPr lang="en-US" smtClean="0"/>
-              <a:t>7/28/2021</a:t>
+              <a:t>9/28/2021</a:t>
             </a:fld>
             <a:endParaRPr lang="en-US"/>
           </a:p>
@@ -2983,7 +2983,7 @@
           <a:p>
             <a:fld id="{F2660061-179A-47E0-86E3-D8374BC4401E}" type="datetimeFigureOut">
               <a:rPr lang="en-US" smtClean="0"/>
-              <a:t>7/28/2021</a:t>
+              <a:t>9/28/2021</a:t>
             </a:fld>
             <a:endParaRPr lang="en-US"/>
           </a:p>
@@ -3215,7 +3215,7 @@
           <a:p>
             <a:fld id="{F2660061-179A-47E0-86E3-D8374BC4401E}" type="datetimeFigureOut">
               <a:rPr lang="en-US" smtClean="0"/>
-              <a:t>7/28/2021</a:t>
+              <a:t>9/28/2021</a:t>
             </a:fld>
             <a:endParaRPr lang="en-US"/>
           </a:p>
@@ -3463,7 +3463,7 @@
           <a:p>
             <a:fld id="{F2660061-179A-47E0-86E3-D8374BC4401E}" type="datetimeFigureOut">
               <a:rPr lang="en-US" smtClean="0"/>
-              <a:t>7/28/2021</a:t>
+              <a:t>9/28/2021</a:t>
             </a:fld>
             <a:endParaRPr lang="en-US"/>
           </a:p>
@@ -3766,7 +3766,7 @@
           <a:p>
             <a:fld id="{F2660061-179A-47E0-86E3-D8374BC4401E}" type="datetimeFigureOut">
               <a:rPr lang="en-US" smtClean="0"/>
-              <a:t>7/28/2021</a:t>
+              <a:t>9/28/2021</a:t>
             </a:fld>
             <a:endParaRPr lang="en-US"/>
           </a:p>
@@ -4148,7 +4148,7 @@
           <a:p>
             <a:fld id="{F2660061-179A-47E0-86E3-D8374BC4401E}" type="datetimeFigureOut">
               <a:rPr lang="en-US" smtClean="0"/>
-              <a:t>7/28/2021</a:t>
+              <a:t>9/28/2021</a:t>
             </a:fld>
             <a:endParaRPr lang="en-US"/>
           </a:p>
@@ -4302,7 +4302,7 @@
           <a:p>
             <a:fld id="{F2660061-179A-47E0-86E3-D8374BC4401E}" type="datetimeFigureOut">
               <a:rPr lang="en-US" smtClean="0"/>
-              <a:t>7/28/2021</a:t>
+              <a:t>9/28/2021</a:t>
             </a:fld>
             <a:endParaRPr lang="en-US"/>
           </a:p>
@@ -4428,7 +4428,7 @@
           <a:p>
             <a:fld id="{F2660061-179A-47E0-86E3-D8374BC4401E}" type="datetimeFigureOut">
               <a:rPr lang="en-US" smtClean="0"/>
-              <a:t>7/28/2021</a:t>
+              <a:t>9/28/2021</a:t>
             </a:fld>
             <a:endParaRPr lang="en-US"/>
           </a:p>
@@ -4683,7 +4683,7 @@
           <a:p>
             <a:fld id="{F2660061-179A-47E0-86E3-D8374BC4401E}" type="datetimeFigureOut">
               <a:rPr lang="en-US" smtClean="0"/>
-              <a:t>7/28/2021</a:t>
+              <a:t>9/28/2021</a:t>
             </a:fld>
             <a:endParaRPr lang="en-US"/>
           </a:p>
@@ -4997,7 +4997,7 @@
           <a:p>
             <a:fld id="{F2660061-179A-47E0-86E3-D8374BC4401E}" type="datetimeFigureOut">
               <a:rPr lang="en-US" smtClean="0"/>
-              <a:t>7/28/2021</a:t>
+              <a:t>9/28/2021</a:t>
             </a:fld>
             <a:endParaRPr lang="en-US"/>
           </a:p>
@@ -5348,7 +5348,7 @@
           <a:p>
             <a:fld id="{F2660061-179A-47E0-86E3-D8374BC4401E}" type="datetimeFigureOut">
               <a:rPr lang="en-US" smtClean="0"/>
-              <a:t>7/28/2021</a:t>
+              <a:t>9/28/2021</a:t>
             </a:fld>
             <a:endParaRPr lang="en-US"/>
           </a:p>
@@ -6152,7 +6152,17 @@
                 <a:effectLst/>
                 <a:latin typeface="Montserrat"/>
               </a:rPr>
-              <a:t>• Syntax and Semantics of the Python </a:t>
+              <a:t>• </a:t>
+            </a:r>
+            <a:r>
+              <a:rPr lang="en-GB" b="0" i="0">
+                <a:solidFill>
+                  <a:srgbClr val="000000"/>
+                </a:solidFill>
+                <a:effectLst/>
+                <a:latin typeface="Montserrat"/>
+              </a:rPr>
+              <a:t>Installing Python</a:t>
             </a:r>
             <a:endParaRPr lang="en-IN" dirty="0"/>
           </a:p>

--- a/PPT/Python/class 1.pptx
+++ b/PPT/Python/class 1.pptx
@@ -11,7 +11,8 @@
     <p:sldId id="269" r:id="rId5"/>
     <p:sldId id="270" r:id="rId6"/>
     <p:sldId id="271" r:id="rId7"/>
-    <p:sldId id="268" r:id="rId8"/>
+    <p:sldId id="272" r:id="rId8"/>
+    <p:sldId id="268" r:id="rId9"/>
   </p:sldIdLst>
   <p:sldSz cx="9144000" cy="6858000" type="screen4x3"/>
   <p:notesSz cx="6858000" cy="9144000"/>
@@ -6450,7 +6451,7 @@
           <a:p>
             <a:r>
               <a:rPr lang="en-IN" dirty="0"/>
-              <a:t>Web Development.</a:t>
+              <a:t>Web Development. Django framework</a:t>
             </a:r>
           </a:p>
           <a:p>
@@ -6646,6 +6647,225 @@
 </file>
 
 <file path=ppt/slides/slide7.xml><?xml version="1.0" encoding="utf-8"?>
+<p:sld xmlns:a="http://schemas.openxmlformats.org/drawingml/2006/main" xmlns:r="http://schemas.openxmlformats.org/officeDocument/2006/relationships" xmlns:p="http://schemas.openxmlformats.org/presentationml/2006/main">
+  <p:cSld>
+    <p:spTree>
+      <p:nvGrpSpPr>
+        <p:cNvPr id="1" name=""/>
+        <p:cNvGrpSpPr/>
+        <p:nvPr/>
+      </p:nvGrpSpPr>
+      <p:grpSpPr>
+        <a:xfrm>
+          <a:off x="0" y="0"/>
+          <a:ext cx="0" cy="0"/>
+          <a:chOff x="0" y="0"/>
+          <a:chExt cx="0" cy="0"/>
+        </a:xfrm>
+      </p:grpSpPr>
+      <p:sp>
+        <p:nvSpPr>
+          <p:cNvPr id="2" name="Title 1">
+            <a:extLst>
+              <a:ext uri="{FF2B5EF4-FFF2-40B4-BE49-F238E27FC236}">
+                <a16:creationId xmlns:a16="http://schemas.microsoft.com/office/drawing/2014/main" id="{3F55F0F2-880A-4D46-BB2A-272A24D4BD09}"/>
+              </a:ext>
+            </a:extLst>
+          </p:cNvPr>
+          <p:cNvSpPr>
+            <a:spLocks noGrp="1"/>
+          </p:cNvSpPr>
+          <p:nvPr>
+            <p:ph type="title"/>
+          </p:nvPr>
+        </p:nvSpPr>
+        <p:spPr/>
+        <p:txBody>
+          <a:bodyPr>
+            <a:normAutofit fontScale="90000"/>
+          </a:bodyPr>
+          <a:lstStyle/>
+          <a:p>
+            <a:r>
+              <a:rPr lang="en-IN" dirty="0"/>
+              <a:t>Notes</a:t>
+            </a:r>
+            <a:br>
+              <a:rPr lang="en-IN" dirty="0"/>
+            </a:br>
+            <a:endParaRPr lang="en-IN" dirty="0"/>
+          </a:p>
+        </p:txBody>
+      </p:sp>
+      <p:sp>
+        <p:nvSpPr>
+          <p:cNvPr id="4" name="TextBox 3">
+            <a:extLst>
+              <a:ext uri="{FF2B5EF4-FFF2-40B4-BE49-F238E27FC236}">
+                <a16:creationId xmlns:a16="http://schemas.microsoft.com/office/drawing/2014/main" id="{A6C33222-0548-4FA2-ACC8-EE210414253A}"/>
+              </a:ext>
+            </a:extLst>
+          </p:cNvPr>
+          <p:cNvSpPr txBox="1"/>
+          <p:nvPr/>
+        </p:nvSpPr>
+        <p:spPr>
+          <a:xfrm>
+            <a:off x="755576" y="1700808"/>
+            <a:ext cx="8136904" cy="4524315"/>
+          </a:xfrm>
+          <a:prstGeom prst="rect">
+            <a:avLst/>
+          </a:prstGeom>
+          <a:noFill/>
+        </p:spPr>
+        <p:txBody>
+          <a:bodyPr wrap="square">
+            <a:spAutoFit/>
+          </a:bodyPr>
+          <a:lstStyle/>
+          <a:p>
+            <a:r>
+              <a:rPr lang="en-IN" dirty="0"/>
+              <a:t>3 paradigm</a:t>
+            </a:r>
+          </a:p>
+          <a:p>
+            <a:r>
+              <a:rPr lang="en-IN" dirty="0"/>
+              <a:t>. Object Oriented</a:t>
+            </a:r>
+          </a:p>
+          <a:p>
+            <a:r>
+              <a:rPr lang="en-IN" dirty="0"/>
+              <a:t>. Structural programming</a:t>
+            </a:r>
+          </a:p>
+          <a:p>
+            <a:r>
+              <a:rPr lang="en-IN" dirty="0"/>
+              <a:t>. functional programming</a:t>
+            </a:r>
+          </a:p>
+          <a:p>
+            <a:endParaRPr lang="en-IN" dirty="0"/>
+          </a:p>
+          <a:p>
+            <a:r>
+              <a:rPr lang="en-IN" dirty="0"/>
+              <a:t>2 programs that run the machine code:</a:t>
+            </a:r>
+          </a:p>
+          <a:p>
+            <a:r>
+              <a:rPr lang="en-IN" dirty="0"/>
+              <a:t>compiler : compiles the whole code once and then runs</a:t>
+            </a:r>
+          </a:p>
+          <a:p>
+            <a:r>
+              <a:rPr lang="en-IN" dirty="0"/>
+              <a:t>interpreter : compiles single line at a time and then runs.</a:t>
+            </a:r>
+          </a:p>
+          <a:p>
+            <a:endParaRPr lang="en-IN" dirty="0"/>
+          </a:p>
+          <a:p>
+            <a:r>
+              <a:rPr lang="en-IN" dirty="0"/>
+              <a:t>Java -&gt; code [compiled] byte code generated [run] -&gt;</a:t>
+            </a:r>
+            <a:r>
+              <a:rPr lang="en-IN" dirty="0" err="1"/>
+              <a:t>jvm</a:t>
+            </a:r>
+            <a:r>
+              <a:rPr lang="en-IN" dirty="0"/>
+              <a:t>(OOP)</a:t>
+            </a:r>
+          </a:p>
+          <a:p>
+            <a:r>
+              <a:rPr lang="en-IN" dirty="0"/>
+              <a:t>C++ -&gt; code [</a:t>
+            </a:r>
+            <a:r>
+              <a:rPr lang="en-IN" dirty="0" err="1"/>
+              <a:t>copiler</a:t>
+            </a:r>
+            <a:r>
+              <a:rPr lang="en-IN" dirty="0"/>
+              <a:t>] [linking][loading] [header files] </a:t>
+            </a:r>
+            <a:r>
+              <a:rPr lang="en-IN" dirty="0" err="1"/>
+              <a:t>intermediatry</a:t>
+            </a:r>
+            <a:r>
+              <a:rPr lang="en-IN" dirty="0"/>
+              <a:t> code-&gt;[</a:t>
+            </a:r>
+            <a:r>
+              <a:rPr lang="en-IN" dirty="0" err="1"/>
+              <a:t>copile</a:t>
+            </a:r>
+            <a:r>
+              <a:rPr lang="en-IN" dirty="0"/>
+              <a:t> to machine code] -&gt;run (</a:t>
+            </a:r>
+            <a:r>
+              <a:rPr lang="en-IN" dirty="0" err="1"/>
+              <a:t>structral</a:t>
+            </a:r>
+            <a:r>
+              <a:rPr lang="en-IN" dirty="0"/>
+              <a:t>)</a:t>
+            </a:r>
+          </a:p>
+          <a:p>
+            <a:r>
+              <a:rPr lang="en-IN" dirty="0"/>
+              <a:t>Python -&gt; code [</a:t>
+            </a:r>
+            <a:r>
+              <a:rPr lang="en-IN" dirty="0" err="1"/>
+              <a:t>copiler</a:t>
+            </a:r>
+            <a:r>
+              <a:rPr lang="en-IN" dirty="0"/>
+              <a:t>] run(functional)</a:t>
+            </a:r>
+          </a:p>
+          <a:p>
+            <a:endParaRPr lang="en-IN" dirty="0"/>
+          </a:p>
+          <a:p>
+            <a:endParaRPr lang="en-IN" dirty="0"/>
+          </a:p>
+          <a:p>
+            <a:r>
+              <a:rPr lang="en-IN" dirty="0"/>
+              <a:t>function: keyword having brackets ().</a:t>
+            </a:r>
+          </a:p>
+        </p:txBody>
+      </p:sp>
+    </p:spTree>
+    <p:extLst>
+      <p:ext uri="{BB962C8B-B14F-4D97-AF65-F5344CB8AC3E}">
+        <p14:creationId xmlns:p14="http://schemas.microsoft.com/office/powerpoint/2010/main" val="151038945"/>
+      </p:ext>
+    </p:extLst>
+  </p:cSld>
+  <p:clrMapOvr>
+    <a:masterClrMapping/>
+  </p:clrMapOvr>
+</p:sld>
+</file>
+
+<file path=ppt/slides/slide8.xml><?xml version="1.0" encoding="utf-8"?>
 <p:sld xmlns:a="http://schemas.openxmlformats.org/drawingml/2006/main" xmlns:r="http://schemas.openxmlformats.org/officeDocument/2006/relationships" xmlns:p="http://schemas.openxmlformats.org/presentationml/2006/main">
   <p:cSld>
     <p:spTree>
